--- a/Библиотека.pptx
+++ b/Библиотека.pptx
@@ -104,6 +104,11 @@
       </a:defRPr>
     </a:lvl9pPr>
   </p:defaultTextStyle>
+  <p:extLst>
+    <p:ext uri="{EFAFB233-063F-42B5-8137-9DF3F51BA10A}">
+      <p15:sldGuideLst xmlns:p15="http://schemas.microsoft.com/office/powerpoint/2012/main"/>
+    </p:ext>
+  </p:extLst>
 </p:presentation>
 </file>
 
@@ -254,7 +259,7 @@
           <a:p>
             <a:fld id="{1A7FEA19-B1F2-4073-8498-53E0EF78661B}" type="datetimeFigureOut">
               <a:rPr lang="ru-RU" smtClean="0"/>
-              <a:t>15.09.2023</a:t>
+              <a:t>16.09.2023</a:t>
             </a:fld>
             <a:endParaRPr lang="ru-RU"/>
           </a:p>
@@ -452,7 +457,7 @@
           <a:p>
             <a:fld id="{1A7FEA19-B1F2-4073-8498-53E0EF78661B}" type="datetimeFigureOut">
               <a:rPr lang="ru-RU" smtClean="0"/>
-              <a:t>15.09.2023</a:t>
+              <a:t>16.09.2023</a:t>
             </a:fld>
             <a:endParaRPr lang="ru-RU"/>
           </a:p>
@@ -660,7 +665,7 @@
           <a:p>
             <a:fld id="{1A7FEA19-B1F2-4073-8498-53E0EF78661B}" type="datetimeFigureOut">
               <a:rPr lang="ru-RU" smtClean="0"/>
-              <a:t>15.09.2023</a:t>
+              <a:t>16.09.2023</a:t>
             </a:fld>
             <a:endParaRPr lang="ru-RU"/>
           </a:p>
@@ -858,7 +863,7 @@
           <a:p>
             <a:fld id="{1A7FEA19-B1F2-4073-8498-53E0EF78661B}" type="datetimeFigureOut">
               <a:rPr lang="ru-RU" smtClean="0"/>
-              <a:t>15.09.2023</a:t>
+              <a:t>16.09.2023</a:t>
             </a:fld>
             <a:endParaRPr lang="ru-RU"/>
           </a:p>
@@ -1133,7 +1138,7 @@
           <a:p>
             <a:fld id="{1A7FEA19-B1F2-4073-8498-53E0EF78661B}" type="datetimeFigureOut">
               <a:rPr lang="ru-RU" smtClean="0"/>
-              <a:t>15.09.2023</a:t>
+              <a:t>16.09.2023</a:t>
             </a:fld>
             <a:endParaRPr lang="ru-RU"/>
           </a:p>
@@ -1398,7 +1403,7 @@
           <a:p>
             <a:fld id="{1A7FEA19-B1F2-4073-8498-53E0EF78661B}" type="datetimeFigureOut">
               <a:rPr lang="ru-RU" smtClean="0"/>
-              <a:t>15.09.2023</a:t>
+              <a:t>16.09.2023</a:t>
             </a:fld>
             <a:endParaRPr lang="ru-RU"/>
           </a:p>
@@ -1810,7 +1815,7 @@
           <a:p>
             <a:fld id="{1A7FEA19-B1F2-4073-8498-53E0EF78661B}" type="datetimeFigureOut">
               <a:rPr lang="ru-RU" smtClean="0"/>
-              <a:t>15.09.2023</a:t>
+              <a:t>16.09.2023</a:t>
             </a:fld>
             <a:endParaRPr lang="ru-RU"/>
           </a:p>
@@ -1951,7 +1956,7 @@
           <a:p>
             <a:fld id="{1A7FEA19-B1F2-4073-8498-53E0EF78661B}" type="datetimeFigureOut">
               <a:rPr lang="ru-RU" smtClean="0"/>
-              <a:t>15.09.2023</a:t>
+              <a:t>16.09.2023</a:t>
             </a:fld>
             <a:endParaRPr lang="ru-RU"/>
           </a:p>
@@ -2064,7 +2069,7 @@
           <a:p>
             <a:fld id="{1A7FEA19-B1F2-4073-8498-53E0EF78661B}" type="datetimeFigureOut">
               <a:rPr lang="ru-RU" smtClean="0"/>
-              <a:t>15.09.2023</a:t>
+              <a:t>16.09.2023</a:t>
             </a:fld>
             <a:endParaRPr lang="ru-RU"/>
           </a:p>
@@ -2375,7 +2380,7 @@
           <a:p>
             <a:fld id="{1A7FEA19-B1F2-4073-8498-53E0EF78661B}" type="datetimeFigureOut">
               <a:rPr lang="ru-RU" smtClean="0"/>
-              <a:t>15.09.2023</a:t>
+              <a:t>16.09.2023</a:t>
             </a:fld>
             <a:endParaRPr lang="ru-RU"/>
           </a:p>
@@ -2663,7 +2668,7 @@
           <a:p>
             <a:fld id="{1A7FEA19-B1F2-4073-8498-53E0EF78661B}" type="datetimeFigureOut">
               <a:rPr lang="ru-RU" smtClean="0"/>
-              <a:t>15.09.2023</a:t>
+              <a:t>16.09.2023</a:t>
             </a:fld>
             <a:endParaRPr lang="ru-RU"/>
           </a:p>
@@ -2904,7 +2909,7 @@
           <a:p>
             <a:fld id="{1A7FEA19-B1F2-4073-8498-53E0EF78661B}" type="datetimeFigureOut">
               <a:rPr lang="ru-RU" smtClean="0"/>
-              <a:t>15.09.2023</a:t>
+              <a:t>16.09.2023</a:t>
             </a:fld>
             <a:endParaRPr lang="ru-RU"/>
           </a:p>
@@ -3834,13 +3839,13 @@
           <p:nvPr>
             <p:extLst>
               <p:ext uri="{D42A27DB-BD31-4B8C-83A1-F6EECF244321}">
-                <p14:modId xmlns:p14="http://schemas.microsoft.com/office/powerpoint/2010/main" val="583634527"/>
+                <p14:modId xmlns:p14="http://schemas.microsoft.com/office/powerpoint/2010/main" val="613676366"/>
               </p:ext>
             </p:extLst>
           </p:nvPr>
         </p:nvGraphicFramePr>
         <p:xfrm>
-          <a:off x="513775" y="456617"/>
+          <a:off x="431033" y="151817"/>
           <a:ext cx="2324225" cy="1524000"/>
         </p:xfrm>
         <a:graphic>
@@ -4014,12 +4019,8 @@
                     <a:lstStyle/>
                     <a:p>
                       <a:r>
-                        <a:rPr lang="en-US" sz="1400" dirty="0"/>
-                        <a:t>ID</a:t>
-                      </a:r>
-                      <a:r>
                         <a:rPr lang="ru-RU" sz="1400" dirty="0"/>
-                        <a:t>_автора</a:t>
+                        <a:t>Шифр книги</a:t>
                       </a:r>
                     </a:p>
                   </a:txBody>
@@ -4743,7 +4744,7 @@
         </p:nvSpPr>
         <p:spPr>
           <a:xfrm>
-            <a:off x="1702667" y="2098659"/>
+            <a:off x="1353387" y="2082289"/>
             <a:ext cx="2372764" cy="553998"/>
           </a:xfrm>
           <a:prstGeom prst="rect">
@@ -4843,7 +4844,7 @@
         </p:nvSpPr>
         <p:spPr>
           <a:xfrm>
-            <a:off x="2869844" y="353076"/>
+            <a:off x="2808922" y="913817"/>
             <a:ext cx="1707519" cy="553998"/>
           </a:xfrm>
           <a:prstGeom prst="rect">
@@ -4867,7 +4868,7 @@
             <a:pPr algn="ctr"/>
             <a:r>
               <a:rPr lang="ru-RU" sz="1000" dirty="0"/>
-              <a:t>Автор может работать </a:t>
+              <a:t>Книга может быть издана</a:t>
             </a:r>
           </a:p>
           <a:p>
@@ -4879,47 +4880,6 @@
           </a:p>
         </p:txBody>
       </p:sp>
-      <p:cxnSp>
-        <p:nvCxnSpPr>
-          <p:cNvPr id="73" name="Соединитель: уступ 72">
-            <a:extLst>
-              <a:ext uri="{FF2B5EF4-FFF2-40B4-BE49-F238E27FC236}">
-                <a16:creationId xmlns:a16="http://schemas.microsoft.com/office/drawing/2014/main" id="{445922BB-1305-12BD-7628-B18362F06CBC}"/>
-              </a:ext>
-            </a:extLst>
-          </p:cNvPr>
-          <p:cNvCxnSpPr/>
-          <p:nvPr/>
-        </p:nvCxnSpPr>
-        <p:spPr>
-          <a:xfrm rot="10800000" flipV="1">
-            <a:off x="2838000" y="913816"/>
-            <a:ext cx="1771206" cy="924029"/>
-          </a:xfrm>
-          <a:prstGeom prst="bentConnector3">
-            <a:avLst>
-              <a:gd name="adj1" fmla="val 52044"/>
-            </a:avLst>
-          </a:prstGeom>
-          <a:ln>
-            <a:tailEnd type="triangle"/>
-          </a:ln>
-        </p:spPr>
-        <p:style>
-          <a:lnRef idx="1">
-            <a:schemeClr val="accent1"/>
-          </a:lnRef>
-          <a:fillRef idx="0">
-            <a:schemeClr val="accent1"/>
-          </a:fillRef>
-          <a:effectRef idx="0">
-            <a:schemeClr val="accent1"/>
-          </a:effectRef>
-          <a:fontRef idx="minor">
-            <a:schemeClr val="tx1"/>
-          </a:fontRef>
-        </p:style>
-      </p:cxnSp>
       <p:cxnSp>
         <p:nvCxnSpPr>
           <p:cNvPr id="82" name="Соединитель: уступ 81">
@@ -5004,6 +4964,47 @@
           </a:p>
         </p:txBody>
       </p:sp>
+      <p:cxnSp>
+        <p:nvCxnSpPr>
+          <p:cNvPr id="3" name="Соединитель: уступ 2">
+            <a:extLst>
+              <a:ext uri="{FF2B5EF4-FFF2-40B4-BE49-F238E27FC236}">
+                <a16:creationId xmlns:a16="http://schemas.microsoft.com/office/drawing/2014/main" id="{34D7B398-341A-D2D7-079B-1C7E0840BCE4}"/>
+              </a:ext>
+            </a:extLst>
+          </p:cNvPr>
+          <p:cNvCxnSpPr>
+            <a:cxnSpLocks/>
+          </p:cNvCxnSpPr>
+          <p:nvPr/>
+        </p:nvCxnSpPr>
+        <p:spPr>
+          <a:xfrm rot="10800000">
+            <a:off x="2784553" y="1539085"/>
+            <a:ext cx="2373898" cy="1013993"/>
+          </a:xfrm>
+          <a:prstGeom prst="bentConnector3">
+            <a:avLst/>
+          </a:prstGeom>
+          <a:ln>
+            <a:tailEnd type="triangle"/>
+          </a:ln>
+        </p:spPr>
+        <p:style>
+          <a:lnRef idx="1">
+            <a:schemeClr val="accent1"/>
+          </a:lnRef>
+          <a:fillRef idx="0">
+            <a:schemeClr val="accent1"/>
+          </a:fillRef>
+          <a:effectRef idx="0">
+            <a:schemeClr val="accent1"/>
+          </a:effectRef>
+          <a:fontRef idx="minor">
+            <a:schemeClr val="tx1"/>
+          </a:fontRef>
+        </p:style>
+      </p:cxnSp>
     </p:spTree>
     <p:extLst>
       <p:ext uri="{BB962C8B-B14F-4D97-AF65-F5344CB8AC3E}">

--- a/Библиотека.pptx
+++ b/Библиотека.pptx
@@ -259,7 +259,7 @@
           <a:p>
             <a:fld id="{1A7FEA19-B1F2-4073-8498-53E0EF78661B}" type="datetimeFigureOut">
               <a:rPr lang="ru-RU" smtClean="0"/>
-              <a:t>16.09.2023</a:t>
+              <a:t>17.09.2023</a:t>
             </a:fld>
             <a:endParaRPr lang="ru-RU"/>
           </a:p>
@@ -457,7 +457,7 @@
           <a:p>
             <a:fld id="{1A7FEA19-B1F2-4073-8498-53E0EF78661B}" type="datetimeFigureOut">
               <a:rPr lang="ru-RU" smtClean="0"/>
-              <a:t>16.09.2023</a:t>
+              <a:t>17.09.2023</a:t>
             </a:fld>
             <a:endParaRPr lang="ru-RU"/>
           </a:p>
@@ -665,7 +665,7 @@
           <a:p>
             <a:fld id="{1A7FEA19-B1F2-4073-8498-53E0EF78661B}" type="datetimeFigureOut">
               <a:rPr lang="ru-RU" smtClean="0"/>
-              <a:t>16.09.2023</a:t>
+              <a:t>17.09.2023</a:t>
             </a:fld>
             <a:endParaRPr lang="ru-RU"/>
           </a:p>
@@ -863,7 +863,7 @@
           <a:p>
             <a:fld id="{1A7FEA19-B1F2-4073-8498-53E0EF78661B}" type="datetimeFigureOut">
               <a:rPr lang="ru-RU" smtClean="0"/>
-              <a:t>16.09.2023</a:t>
+              <a:t>17.09.2023</a:t>
             </a:fld>
             <a:endParaRPr lang="ru-RU"/>
           </a:p>
@@ -1138,7 +1138,7 @@
           <a:p>
             <a:fld id="{1A7FEA19-B1F2-4073-8498-53E0EF78661B}" type="datetimeFigureOut">
               <a:rPr lang="ru-RU" smtClean="0"/>
-              <a:t>16.09.2023</a:t>
+              <a:t>17.09.2023</a:t>
             </a:fld>
             <a:endParaRPr lang="ru-RU"/>
           </a:p>
@@ -1403,7 +1403,7 @@
           <a:p>
             <a:fld id="{1A7FEA19-B1F2-4073-8498-53E0EF78661B}" type="datetimeFigureOut">
               <a:rPr lang="ru-RU" smtClean="0"/>
-              <a:t>16.09.2023</a:t>
+              <a:t>17.09.2023</a:t>
             </a:fld>
             <a:endParaRPr lang="ru-RU"/>
           </a:p>
@@ -1815,7 +1815,7 @@
           <a:p>
             <a:fld id="{1A7FEA19-B1F2-4073-8498-53E0EF78661B}" type="datetimeFigureOut">
               <a:rPr lang="ru-RU" smtClean="0"/>
-              <a:t>16.09.2023</a:t>
+              <a:t>17.09.2023</a:t>
             </a:fld>
             <a:endParaRPr lang="ru-RU"/>
           </a:p>
@@ -1956,7 +1956,7 @@
           <a:p>
             <a:fld id="{1A7FEA19-B1F2-4073-8498-53E0EF78661B}" type="datetimeFigureOut">
               <a:rPr lang="ru-RU" smtClean="0"/>
-              <a:t>16.09.2023</a:t>
+              <a:t>17.09.2023</a:t>
             </a:fld>
             <a:endParaRPr lang="ru-RU"/>
           </a:p>
@@ -2069,7 +2069,7 @@
           <a:p>
             <a:fld id="{1A7FEA19-B1F2-4073-8498-53E0EF78661B}" type="datetimeFigureOut">
               <a:rPr lang="ru-RU" smtClean="0"/>
-              <a:t>16.09.2023</a:t>
+              <a:t>17.09.2023</a:t>
             </a:fld>
             <a:endParaRPr lang="ru-RU"/>
           </a:p>
@@ -2380,7 +2380,7 @@
           <a:p>
             <a:fld id="{1A7FEA19-B1F2-4073-8498-53E0EF78661B}" type="datetimeFigureOut">
               <a:rPr lang="ru-RU" smtClean="0"/>
-              <a:t>16.09.2023</a:t>
+              <a:t>17.09.2023</a:t>
             </a:fld>
             <a:endParaRPr lang="ru-RU"/>
           </a:p>
@@ -2668,7 +2668,7 @@
           <a:p>
             <a:fld id="{1A7FEA19-B1F2-4073-8498-53E0EF78661B}" type="datetimeFigureOut">
               <a:rPr lang="ru-RU" smtClean="0"/>
-              <a:t>16.09.2023</a:t>
+              <a:t>17.09.2023</a:t>
             </a:fld>
             <a:endParaRPr lang="ru-RU"/>
           </a:p>
@@ -2909,7 +2909,7 @@
           <a:p>
             <a:fld id="{1A7FEA19-B1F2-4073-8498-53E0EF78661B}" type="datetimeFigureOut">
               <a:rPr lang="ru-RU" smtClean="0"/>
-              <a:t>16.09.2023</a:t>
+              <a:t>17.09.2023</a:t>
             </a:fld>
             <a:endParaRPr lang="ru-RU"/>
           </a:p>
@@ -4844,8 +4844,8 @@
         </p:nvSpPr>
         <p:spPr>
           <a:xfrm>
-            <a:off x="2808922" y="913817"/>
-            <a:ext cx="1707519" cy="553998"/>
+            <a:off x="3014110" y="913817"/>
+            <a:ext cx="1297150" cy="553998"/>
           </a:xfrm>
           <a:prstGeom prst="rect">
             <a:avLst/>
@@ -4868,14 +4868,14 @@
             <a:pPr algn="ctr"/>
             <a:r>
               <a:rPr lang="ru-RU" sz="1000" dirty="0"/>
-              <a:t>Книга может быть издана</a:t>
+              <a:t>Книга принадлежит </a:t>
             </a:r>
           </a:p>
           <a:p>
             <a:pPr algn="ctr"/>
             <a:r>
               <a:rPr lang="ru-RU" sz="1000" dirty="0"/>
-              <a:t>в нескольких издательствах</a:t>
+              <a:t>издательству</a:t>
             </a:r>
           </a:p>
         </p:txBody>
@@ -4966,22 +4966,20 @@
       </p:sp>
       <p:cxnSp>
         <p:nvCxnSpPr>
-          <p:cNvPr id="3" name="Соединитель: уступ 2">
-            <a:extLst>
-              <a:ext uri="{FF2B5EF4-FFF2-40B4-BE49-F238E27FC236}">
-                <a16:creationId xmlns:a16="http://schemas.microsoft.com/office/drawing/2014/main" id="{34D7B398-341A-D2D7-079B-1C7E0840BCE4}"/>
-              </a:ext>
-            </a:extLst>
-          </p:cNvPr>
-          <p:cNvCxnSpPr>
-            <a:cxnSpLocks/>
-          </p:cNvCxnSpPr>
+          <p:cNvPr id="10" name="Соединитель: уступ 9">
+            <a:extLst>
+              <a:ext uri="{FF2B5EF4-FFF2-40B4-BE49-F238E27FC236}">
+                <a16:creationId xmlns:a16="http://schemas.microsoft.com/office/drawing/2014/main" id="{605C09C5-3A87-43EC-EC44-82A388824F6F}"/>
+              </a:ext>
+            </a:extLst>
+          </p:cNvPr>
+          <p:cNvCxnSpPr/>
           <p:nvPr/>
         </p:nvCxnSpPr>
         <p:spPr>
-          <a:xfrm rot="10800000">
-            <a:off x="2784553" y="1539085"/>
-            <a:ext cx="2373898" cy="1013993"/>
+          <a:xfrm>
+            <a:off x="2755258" y="1511921"/>
+            <a:ext cx="2403191" cy="1041156"/>
           </a:xfrm>
           <a:prstGeom prst="bentConnector3">
             <a:avLst/>

--- a/Библиотека.pptx
+++ b/Библиотека.pptx
@@ -259,7 +259,7 @@
           <a:p>
             <a:fld id="{1A7FEA19-B1F2-4073-8498-53E0EF78661B}" type="datetimeFigureOut">
               <a:rPr lang="ru-RU" smtClean="0"/>
-              <a:t>17.09.2023</a:t>
+              <a:t>18.09.2023</a:t>
             </a:fld>
             <a:endParaRPr lang="ru-RU"/>
           </a:p>
@@ -457,7 +457,7 @@
           <a:p>
             <a:fld id="{1A7FEA19-B1F2-4073-8498-53E0EF78661B}" type="datetimeFigureOut">
               <a:rPr lang="ru-RU" smtClean="0"/>
-              <a:t>17.09.2023</a:t>
+              <a:t>18.09.2023</a:t>
             </a:fld>
             <a:endParaRPr lang="ru-RU"/>
           </a:p>
@@ -665,7 +665,7 @@
           <a:p>
             <a:fld id="{1A7FEA19-B1F2-4073-8498-53E0EF78661B}" type="datetimeFigureOut">
               <a:rPr lang="ru-RU" smtClean="0"/>
-              <a:t>17.09.2023</a:t>
+              <a:t>18.09.2023</a:t>
             </a:fld>
             <a:endParaRPr lang="ru-RU"/>
           </a:p>
@@ -863,7 +863,7 @@
           <a:p>
             <a:fld id="{1A7FEA19-B1F2-4073-8498-53E0EF78661B}" type="datetimeFigureOut">
               <a:rPr lang="ru-RU" smtClean="0"/>
-              <a:t>17.09.2023</a:t>
+              <a:t>18.09.2023</a:t>
             </a:fld>
             <a:endParaRPr lang="ru-RU"/>
           </a:p>
@@ -1138,7 +1138,7 @@
           <a:p>
             <a:fld id="{1A7FEA19-B1F2-4073-8498-53E0EF78661B}" type="datetimeFigureOut">
               <a:rPr lang="ru-RU" smtClean="0"/>
-              <a:t>17.09.2023</a:t>
+              <a:t>18.09.2023</a:t>
             </a:fld>
             <a:endParaRPr lang="ru-RU"/>
           </a:p>
@@ -1403,7 +1403,7 @@
           <a:p>
             <a:fld id="{1A7FEA19-B1F2-4073-8498-53E0EF78661B}" type="datetimeFigureOut">
               <a:rPr lang="ru-RU" smtClean="0"/>
-              <a:t>17.09.2023</a:t>
+              <a:t>18.09.2023</a:t>
             </a:fld>
             <a:endParaRPr lang="ru-RU"/>
           </a:p>
@@ -1815,7 +1815,7 @@
           <a:p>
             <a:fld id="{1A7FEA19-B1F2-4073-8498-53E0EF78661B}" type="datetimeFigureOut">
               <a:rPr lang="ru-RU" smtClean="0"/>
-              <a:t>17.09.2023</a:t>
+              <a:t>18.09.2023</a:t>
             </a:fld>
             <a:endParaRPr lang="ru-RU"/>
           </a:p>
@@ -1956,7 +1956,7 @@
           <a:p>
             <a:fld id="{1A7FEA19-B1F2-4073-8498-53E0EF78661B}" type="datetimeFigureOut">
               <a:rPr lang="ru-RU" smtClean="0"/>
-              <a:t>17.09.2023</a:t>
+              <a:t>18.09.2023</a:t>
             </a:fld>
             <a:endParaRPr lang="ru-RU"/>
           </a:p>
@@ -2069,7 +2069,7 @@
           <a:p>
             <a:fld id="{1A7FEA19-B1F2-4073-8498-53E0EF78661B}" type="datetimeFigureOut">
               <a:rPr lang="ru-RU" smtClean="0"/>
-              <a:t>17.09.2023</a:t>
+              <a:t>18.09.2023</a:t>
             </a:fld>
             <a:endParaRPr lang="ru-RU"/>
           </a:p>
@@ -2380,7 +2380,7 @@
           <a:p>
             <a:fld id="{1A7FEA19-B1F2-4073-8498-53E0EF78661B}" type="datetimeFigureOut">
               <a:rPr lang="ru-RU" smtClean="0"/>
-              <a:t>17.09.2023</a:t>
+              <a:t>18.09.2023</a:t>
             </a:fld>
             <a:endParaRPr lang="ru-RU"/>
           </a:p>
@@ -2668,7 +2668,7 @@
           <a:p>
             <a:fld id="{1A7FEA19-B1F2-4073-8498-53E0EF78661B}" type="datetimeFigureOut">
               <a:rPr lang="ru-RU" smtClean="0"/>
-              <a:t>17.09.2023</a:t>
+              <a:t>18.09.2023</a:t>
             </a:fld>
             <a:endParaRPr lang="ru-RU"/>
           </a:p>
@@ -2909,7 +2909,7 @@
           <a:p>
             <a:fld id="{1A7FEA19-B1F2-4073-8498-53E0EF78661B}" type="datetimeFigureOut">
               <a:rPr lang="ru-RU" smtClean="0"/>
-              <a:t>17.09.2023</a:t>
+              <a:t>18.09.2023</a:t>
             </a:fld>
             <a:endParaRPr lang="ru-RU"/>
           </a:p>
@@ -3839,7 +3839,7 @@
           <p:nvPr>
             <p:extLst>
               <p:ext uri="{D42A27DB-BD31-4B8C-83A1-F6EECF244321}">
-                <p14:modId xmlns:p14="http://schemas.microsoft.com/office/powerpoint/2010/main" val="613676366"/>
+                <p14:modId xmlns:p14="http://schemas.microsoft.com/office/powerpoint/2010/main" val="3620423920"/>
               </p:ext>
             </p:extLst>
           </p:nvPr>
@@ -4020,7 +4020,7 @@
                     <a:p>
                       <a:r>
                         <a:rPr lang="ru-RU" sz="1400" dirty="0"/>
-                        <a:t>Шифр книги</a:t>
+                        <a:t>Название книги</a:t>
                       </a:r>
                     </a:p>
                   </a:txBody>
@@ -4973,13 +4973,15 @@
               </a:ext>
             </a:extLst>
           </p:cNvPr>
-          <p:cNvCxnSpPr/>
+          <p:cNvCxnSpPr>
+            <a:cxnSpLocks/>
+          </p:cNvCxnSpPr>
           <p:nvPr/>
         </p:nvCxnSpPr>
         <p:spPr>
           <a:xfrm>
             <a:off x="2755258" y="1511921"/>
-            <a:ext cx="2403191" cy="1041156"/>
+            <a:ext cx="2403191" cy="1439509"/>
           </a:xfrm>
           <a:prstGeom prst="bentConnector3">
             <a:avLst/>

--- a/Библиотека.pptx
+++ b/Библиотека.pptx
@@ -3545,14 +3545,14 @@
           <p:nvPr>
             <p:extLst>
               <p:ext uri="{D42A27DB-BD31-4B8C-83A1-F6EECF244321}">
-                <p14:modId xmlns:p14="http://schemas.microsoft.com/office/powerpoint/2010/main" val="2334508000"/>
+                <p14:modId xmlns:p14="http://schemas.microsoft.com/office/powerpoint/2010/main" val="3933397680"/>
               </p:ext>
             </p:extLst>
           </p:nvPr>
         </p:nvGraphicFramePr>
         <p:xfrm>
           <a:off x="5158449" y="2188029"/>
-          <a:ext cx="2826694" cy="2438400"/>
+          <a:ext cx="2826694" cy="2743200"/>
         </p:xfrm>
         <a:graphic>
           <a:graphicData uri="http://schemas.openxmlformats.org/drawingml/2006/table">
@@ -3820,6 +3820,44 @@
                   </a:ext>
                 </a:extLst>
               </a:tr>
+              <a:tr h="217170">
+                <a:tc>
+                  <a:txBody>
+                    <a:bodyPr/>
+                    <a:lstStyle/>
+                    <a:p>
+                      <a:r>
+                        <a:rPr lang="en-US" sz="1400" dirty="0"/>
+                        <a:t>FK</a:t>
+                      </a:r>
+                      <a:endParaRPr lang="ru-RU" sz="1400" dirty="0"/>
+                    </a:p>
+                  </a:txBody>
+                  <a:tcPr/>
+                </a:tc>
+                <a:tc>
+                  <a:txBody>
+                    <a:bodyPr/>
+                    <a:lstStyle/>
+                    <a:p>
+                      <a:r>
+                        <a:rPr lang="en-US" sz="1400" dirty="0"/>
+                        <a:t>ID_</a:t>
+                      </a:r>
+                      <a:r>
+                        <a:rPr lang="ru-RU" sz="1400" dirty="0"/>
+                        <a:t>издательства</a:t>
+                      </a:r>
+                    </a:p>
+                  </a:txBody>
+                  <a:tcPr/>
+                </a:tc>
+                <a:extLst>
+                  <a:ext uri="{0D108BD9-81ED-4DB2-BD59-A6C34878D82A}">
+                    <a16:rowId xmlns:a16="http://schemas.microsoft.com/office/drawing/2014/main" val="2685375765"/>
+                  </a:ext>
+                </a:extLst>
+              </a:tr>
             </a:tbl>
           </a:graphicData>
         </a:graphic>
@@ -3839,14 +3877,14 @@
           <p:nvPr>
             <p:extLst>
               <p:ext uri="{D42A27DB-BD31-4B8C-83A1-F6EECF244321}">
-                <p14:modId xmlns:p14="http://schemas.microsoft.com/office/powerpoint/2010/main" val="3620423920"/>
+                <p14:modId xmlns:p14="http://schemas.microsoft.com/office/powerpoint/2010/main" val="3031725120"/>
               </p:ext>
             </p:extLst>
           </p:nvPr>
         </p:nvGraphicFramePr>
         <p:xfrm>
-          <a:off x="431033" y="151817"/>
-          <a:ext cx="2324225" cy="1524000"/>
+          <a:off x="413236" y="398461"/>
+          <a:ext cx="2324225" cy="1219200"/>
         </p:xfrm>
         <a:graphic>
           <a:graphicData uri="http://schemas.openxmlformats.org/drawingml/2006/table">
@@ -3995,40 +4033,6 @@
                 <a:extLst>
                   <a:ext uri="{0D108BD9-81ED-4DB2-BD59-A6C34878D82A}">
                     <a16:rowId xmlns:a16="http://schemas.microsoft.com/office/drawing/2014/main" val="2511788249"/>
-                  </a:ext>
-                </a:extLst>
-              </a:tr>
-              <a:tr h="146575">
-                <a:tc>
-                  <a:txBody>
-                    <a:bodyPr/>
-                    <a:lstStyle/>
-                    <a:p>
-                      <a:r>
-                        <a:rPr lang="en-US" sz="1400" dirty="0"/>
-                        <a:t>FK</a:t>
-                      </a:r>
-                      <a:endParaRPr lang="ru-RU" sz="1400" dirty="0"/>
-                    </a:p>
-                  </a:txBody>
-                  <a:tcPr/>
-                </a:tc>
-                <a:tc>
-                  <a:txBody>
-                    <a:bodyPr/>
-                    <a:lstStyle/>
-                    <a:p>
-                      <a:r>
-                        <a:rPr lang="ru-RU" sz="1400" dirty="0"/>
-                        <a:t>Название книги</a:t>
-                      </a:r>
-                    </a:p>
-                  </a:txBody>
-                  <a:tcPr/>
-                </a:tc>
-                <a:extLst>
-                  <a:ext uri="{0D108BD9-81ED-4DB2-BD59-A6C34878D82A}">
-                    <a16:rowId xmlns:a16="http://schemas.microsoft.com/office/drawing/2014/main" val="3368895155"/>
                   </a:ext>
                 </a:extLst>
               </a:tr>
@@ -4844,8 +4848,8 @@
         </p:nvSpPr>
         <p:spPr>
           <a:xfrm>
-            <a:off x="3014110" y="913817"/>
-            <a:ext cx="1297150" cy="553998"/>
+            <a:off x="2781955" y="667595"/>
+            <a:ext cx="1148070" cy="246221"/>
           </a:xfrm>
           <a:prstGeom prst="rect">
             <a:avLst/>
@@ -4862,20 +4866,6 @@
             <a:r>
               <a:rPr lang="ru-RU" sz="1000" dirty="0"/>
               <a:t>Один ко многим. </a:t>
-            </a:r>
-          </a:p>
-          <a:p>
-            <a:pPr algn="ctr"/>
-            <a:r>
-              <a:rPr lang="ru-RU" sz="1000" dirty="0"/>
-              <a:t>Книга принадлежит </a:t>
-            </a:r>
-          </a:p>
-          <a:p>
-            <a:pPr algn="ctr"/>
-            <a:r>
-              <a:rPr lang="ru-RU" sz="1000" dirty="0"/>
-              <a:t>издательству</a:t>
             </a:r>
           </a:p>
         </p:txBody>
@@ -4966,24 +4956,94 @@
       </p:sp>
       <p:cxnSp>
         <p:nvCxnSpPr>
-          <p:cNvPr id="10" name="Соединитель: уступ 9">
-            <a:extLst>
-              <a:ext uri="{FF2B5EF4-FFF2-40B4-BE49-F238E27FC236}">
-                <a16:creationId xmlns:a16="http://schemas.microsoft.com/office/drawing/2014/main" id="{605C09C5-3A87-43EC-EC44-82A388824F6F}"/>
-              </a:ext>
-            </a:extLst>
-          </p:cNvPr>
-          <p:cNvCxnSpPr>
-            <a:cxnSpLocks/>
-          </p:cNvCxnSpPr>
+          <p:cNvPr id="22" name="Прямая соединительная линия 21">
+            <a:extLst>
+              <a:ext uri="{FF2B5EF4-FFF2-40B4-BE49-F238E27FC236}">
+                <a16:creationId xmlns:a16="http://schemas.microsoft.com/office/drawing/2014/main" id="{2C9D56CF-A748-E6A2-E93E-8E465AC48487}"/>
+              </a:ext>
+            </a:extLst>
+          </p:cNvPr>
+          <p:cNvCxnSpPr/>
           <p:nvPr/>
         </p:nvCxnSpPr>
         <p:spPr>
           <a:xfrm>
-            <a:off x="2755258" y="1511921"/>
-            <a:ext cx="2403191" cy="1439509"/>
+            <a:off x="2737461" y="897277"/>
+            <a:ext cx="634687" cy="0"/>
           </a:xfrm>
-          <a:prstGeom prst="bentConnector3">
+          <a:prstGeom prst="line">
+            <a:avLst/>
+          </a:prstGeom>
+        </p:spPr>
+        <p:style>
+          <a:lnRef idx="1">
+            <a:schemeClr val="accent1"/>
+          </a:lnRef>
+          <a:fillRef idx="0">
+            <a:schemeClr val="accent1"/>
+          </a:fillRef>
+          <a:effectRef idx="0">
+            <a:schemeClr val="accent1"/>
+          </a:effectRef>
+          <a:fontRef idx="minor">
+            <a:schemeClr val="tx1"/>
+          </a:fontRef>
+        </p:style>
+      </p:cxnSp>
+      <p:cxnSp>
+        <p:nvCxnSpPr>
+          <p:cNvPr id="25" name="Прямая соединительная линия 24">
+            <a:extLst>
+              <a:ext uri="{FF2B5EF4-FFF2-40B4-BE49-F238E27FC236}">
+                <a16:creationId xmlns:a16="http://schemas.microsoft.com/office/drawing/2014/main" id="{5F8D87DA-5A05-D7CF-AF3A-A4F1C1B4CD5B}"/>
+              </a:ext>
+            </a:extLst>
+          </p:cNvPr>
+          <p:cNvCxnSpPr/>
+          <p:nvPr/>
+        </p:nvCxnSpPr>
+        <p:spPr>
+          <a:xfrm>
+            <a:off x="3372148" y="913817"/>
+            <a:ext cx="0" cy="3864185"/>
+          </a:xfrm>
+          <a:prstGeom prst="line">
+            <a:avLst/>
+          </a:prstGeom>
+        </p:spPr>
+        <p:style>
+          <a:lnRef idx="1">
+            <a:schemeClr val="accent1"/>
+          </a:lnRef>
+          <a:fillRef idx="0">
+            <a:schemeClr val="accent1"/>
+          </a:fillRef>
+          <a:effectRef idx="0">
+            <a:schemeClr val="accent1"/>
+          </a:effectRef>
+          <a:fontRef idx="minor">
+            <a:schemeClr val="tx1"/>
+          </a:fontRef>
+        </p:style>
+      </p:cxnSp>
+      <p:cxnSp>
+        <p:nvCxnSpPr>
+          <p:cNvPr id="27" name="Прямая со стрелкой 26">
+            <a:extLst>
+              <a:ext uri="{FF2B5EF4-FFF2-40B4-BE49-F238E27FC236}">
+                <a16:creationId xmlns:a16="http://schemas.microsoft.com/office/drawing/2014/main" id="{C717DBB1-6744-82FB-ECCB-501CBE63EC7B}"/>
+              </a:ext>
+            </a:extLst>
+          </p:cNvPr>
+          <p:cNvCxnSpPr/>
+          <p:nvPr/>
+        </p:nvCxnSpPr>
+        <p:spPr>
+          <a:xfrm>
+            <a:off x="3372148" y="4778002"/>
+            <a:ext cx="1786301" cy="0"/>
+          </a:xfrm>
+          <a:prstGeom prst="straightConnector1">
             <a:avLst/>
           </a:prstGeom>
           <a:ln>

--- a/Библиотека.pptx
+++ b/Библиотека.pptx
@@ -259,7 +259,7 @@
           <a:p>
             <a:fld id="{1A7FEA19-B1F2-4073-8498-53E0EF78661B}" type="datetimeFigureOut">
               <a:rPr lang="ru-RU" smtClean="0"/>
-              <a:t>18.09.2023</a:t>
+              <a:t>20.09.2023</a:t>
             </a:fld>
             <a:endParaRPr lang="ru-RU"/>
           </a:p>
@@ -457,7 +457,7 @@
           <a:p>
             <a:fld id="{1A7FEA19-B1F2-4073-8498-53E0EF78661B}" type="datetimeFigureOut">
               <a:rPr lang="ru-RU" smtClean="0"/>
-              <a:t>18.09.2023</a:t>
+              <a:t>20.09.2023</a:t>
             </a:fld>
             <a:endParaRPr lang="ru-RU"/>
           </a:p>
@@ -665,7 +665,7 @@
           <a:p>
             <a:fld id="{1A7FEA19-B1F2-4073-8498-53E0EF78661B}" type="datetimeFigureOut">
               <a:rPr lang="ru-RU" smtClean="0"/>
-              <a:t>18.09.2023</a:t>
+              <a:t>20.09.2023</a:t>
             </a:fld>
             <a:endParaRPr lang="ru-RU"/>
           </a:p>
@@ -863,7 +863,7 @@
           <a:p>
             <a:fld id="{1A7FEA19-B1F2-4073-8498-53E0EF78661B}" type="datetimeFigureOut">
               <a:rPr lang="ru-RU" smtClean="0"/>
-              <a:t>18.09.2023</a:t>
+              <a:t>20.09.2023</a:t>
             </a:fld>
             <a:endParaRPr lang="ru-RU"/>
           </a:p>
@@ -1138,7 +1138,7 @@
           <a:p>
             <a:fld id="{1A7FEA19-B1F2-4073-8498-53E0EF78661B}" type="datetimeFigureOut">
               <a:rPr lang="ru-RU" smtClean="0"/>
-              <a:t>18.09.2023</a:t>
+              <a:t>20.09.2023</a:t>
             </a:fld>
             <a:endParaRPr lang="ru-RU"/>
           </a:p>
@@ -1403,7 +1403,7 @@
           <a:p>
             <a:fld id="{1A7FEA19-B1F2-4073-8498-53E0EF78661B}" type="datetimeFigureOut">
               <a:rPr lang="ru-RU" smtClean="0"/>
-              <a:t>18.09.2023</a:t>
+              <a:t>20.09.2023</a:t>
             </a:fld>
             <a:endParaRPr lang="ru-RU"/>
           </a:p>
@@ -1815,7 +1815,7 @@
           <a:p>
             <a:fld id="{1A7FEA19-B1F2-4073-8498-53E0EF78661B}" type="datetimeFigureOut">
               <a:rPr lang="ru-RU" smtClean="0"/>
-              <a:t>18.09.2023</a:t>
+              <a:t>20.09.2023</a:t>
             </a:fld>
             <a:endParaRPr lang="ru-RU"/>
           </a:p>
@@ -1956,7 +1956,7 @@
           <a:p>
             <a:fld id="{1A7FEA19-B1F2-4073-8498-53E0EF78661B}" type="datetimeFigureOut">
               <a:rPr lang="ru-RU" smtClean="0"/>
-              <a:t>18.09.2023</a:t>
+              <a:t>20.09.2023</a:t>
             </a:fld>
             <a:endParaRPr lang="ru-RU"/>
           </a:p>
@@ -2069,7 +2069,7 @@
           <a:p>
             <a:fld id="{1A7FEA19-B1F2-4073-8498-53E0EF78661B}" type="datetimeFigureOut">
               <a:rPr lang="ru-RU" smtClean="0"/>
-              <a:t>18.09.2023</a:t>
+              <a:t>20.09.2023</a:t>
             </a:fld>
             <a:endParaRPr lang="ru-RU"/>
           </a:p>
@@ -2380,7 +2380,7 @@
           <a:p>
             <a:fld id="{1A7FEA19-B1F2-4073-8498-53E0EF78661B}" type="datetimeFigureOut">
               <a:rPr lang="ru-RU" smtClean="0"/>
-              <a:t>18.09.2023</a:t>
+              <a:t>20.09.2023</a:t>
             </a:fld>
             <a:endParaRPr lang="ru-RU"/>
           </a:p>
@@ -2668,7 +2668,7 @@
           <a:p>
             <a:fld id="{1A7FEA19-B1F2-4073-8498-53E0EF78661B}" type="datetimeFigureOut">
               <a:rPr lang="ru-RU" smtClean="0"/>
-              <a:t>18.09.2023</a:t>
+              <a:t>20.09.2023</a:t>
             </a:fld>
             <a:endParaRPr lang="ru-RU"/>
           </a:p>
@@ -2909,7 +2909,7 @@
           <a:p>
             <a:fld id="{1A7FEA19-B1F2-4073-8498-53E0EF78661B}" type="datetimeFigureOut">
               <a:rPr lang="ru-RU" smtClean="0"/>
-              <a:t>18.09.2023</a:t>
+              <a:t>20.09.2023</a:t>
             </a:fld>
             <a:endParaRPr lang="ru-RU"/>
           </a:p>
@@ -4393,7 +4393,7 @@
           <p:nvPr>
             <p:extLst>
               <p:ext uri="{D42A27DB-BD31-4B8C-83A1-F6EECF244321}">
-                <p14:modId xmlns:p14="http://schemas.microsoft.com/office/powerpoint/2010/main" val="697085335"/>
+                <p14:modId xmlns:p14="http://schemas.microsoft.com/office/powerpoint/2010/main" val="2506585683"/>
               </p:ext>
             </p:extLst>
           </p:nvPr>
@@ -4432,7 +4432,7 @@
                     <a:p>
                       <a:r>
                         <a:rPr lang="ru-RU" sz="1400" dirty="0"/>
-                        <a:t>Заказы</a:t>
+                        <a:t>Выдача книги</a:t>
                       </a:r>
                     </a:p>
                   </a:txBody>
@@ -4672,8 +4672,8 @@
             </a:avLst>
           </a:prstGeom>
           <a:ln>
-            <a:headEnd type="triangle"/>
-            <a:tailEnd type="triangle"/>
+            <a:headEnd type="none" w="med" len="med"/>
+            <a:tailEnd type="arrow" w="med" len="med"/>
           </a:ln>
         </p:spPr>
         <p:style>
@@ -4748,8 +4748,8 @@
         </p:nvSpPr>
         <p:spPr>
           <a:xfrm>
-            <a:off x="1353387" y="2082289"/>
-            <a:ext cx="2372764" cy="553998"/>
+            <a:off x="1933098" y="2363971"/>
+            <a:ext cx="1087157" cy="246221"/>
           </a:xfrm>
           <a:prstGeom prst="rect">
             <a:avLst/>
@@ -4765,21 +4765,7 @@
             <a:pPr algn="ctr"/>
             <a:r>
               <a:rPr lang="ru-RU" sz="1000" dirty="0"/>
-              <a:t>Многие ко многим. </a:t>
-            </a:r>
-          </a:p>
-          <a:p>
-            <a:pPr algn="ctr"/>
-            <a:r>
-              <a:rPr lang="ru-RU" sz="1000" dirty="0"/>
-              <a:t>Если экземпляров больше одного книга</a:t>
-            </a:r>
-          </a:p>
-          <a:p>
-            <a:pPr algn="ctr"/>
-            <a:r>
-              <a:rPr lang="ru-RU" sz="1000" dirty="0"/>
-              <a:t>может попасть в несколько заказов</a:t>
+              <a:t>Один ко многим</a:t>
             </a:r>
           </a:p>
         </p:txBody>
